--- a/Slides/09_EDUC_6050_2018.pptx
+++ b/Slides/09_EDUC_6050_2018.pptx
@@ -6620,7 +6620,7 @@
           </a:p>
           <a:p>
             <a:r>
-              <a:rPr lang="en-US" sz="3600" b="1" dirty="0">
+              <a:rPr lang="en-US" sz="3600" b="1">
                 <a:solidFill>
                   <a:schemeClr val="accent3"/>
                 </a:solidFill>
@@ -6628,8 +6628,16 @@
                 <a:ea typeface="Consolas" charset="0"/>
                 <a:cs typeface="Consolas" charset="0"/>
               </a:rPr>
-              <a:t>Week 8</a:t>
+              <a:t>Week 9</a:t>
             </a:r>
+            <a:endParaRPr lang="en-US" sz="3600" b="1" dirty="0">
+              <a:solidFill>
+                <a:schemeClr val="accent3"/>
+              </a:solidFill>
+              <a:latin typeface="Consolas" charset="0"/>
+              <a:ea typeface="Consolas" charset="0"/>
+              <a:cs typeface="Consolas" charset="0"/>
+            </a:endParaRPr>
           </a:p>
         </p:txBody>
       </p:sp>
